--- a/stress_ball.pptx
+++ b/stress_ball.pptx
@@ -5,29 +5,30 @@
     <p:sldMasterId id="2147483659" r:id="rId1"/>
   </p:sldMasterIdLst>
   <p:notesMasterIdLst>
-    <p:notesMasterId r:id="rId5"/>
+    <p:notesMasterId r:id="rId6"/>
   </p:notesMasterIdLst>
   <p:sldIdLst>
     <p:sldId id="256" r:id="rId2"/>
     <p:sldId id="257" r:id="rId3"/>
     <p:sldId id="258" r:id="rId4"/>
+    <p:sldId id="259" r:id="rId5"/>
   </p:sldIdLst>
   <p:sldSz cx="9144000" cy="5143500" type="screen16x9"/>
   <p:notesSz cx="6858000" cy="9144000"/>
   <p:embeddedFontLst>
     <p:embeddedFont>
       <p:font typeface="Lato" panose="020B0604020202020204" charset="0"/>
-      <p:regular r:id="rId6"/>
-      <p:bold r:id="rId7"/>
-      <p:italic r:id="rId8"/>
-      <p:boldItalic r:id="rId9"/>
+      <p:regular r:id="rId7"/>
+      <p:bold r:id="rId8"/>
+      <p:italic r:id="rId9"/>
+      <p:boldItalic r:id="rId10"/>
     </p:embeddedFont>
     <p:embeddedFont>
       <p:font typeface="Raleway" panose="020B0604020202020204" charset="0"/>
-      <p:regular r:id="rId10"/>
-      <p:bold r:id="rId11"/>
-      <p:italic r:id="rId12"/>
-      <p:boldItalic r:id="rId13"/>
+      <p:regular r:id="rId11"/>
+      <p:bold r:id="rId12"/>
+      <p:italic r:id="rId13"/>
+      <p:boldItalic r:id="rId14"/>
     </p:embeddedFont>
   </p:embeddedFontLst>
   <p:defaultTextStyle>
@@ -1024,6 +1025,115 @@
         </p:txBody>
       </p:sp>
     </p:spTree>
+  </p:cSld>
+  <p:clrMapOvr>
+    <a:masterClrMapping/>
+  </p:clrMapOvr>
+</p:notes>
+</file>
+
+<file path=ppt/notesSlides/notesSlide4.xml><?xml version="1.0" encoding="utf-8"?>
+<p:notes xmlns:a="http://schemas.openxmlformats.org/drawingml/2006/main" xmlns:r="http://schemas.openxmlformats.org/officeDocument/2006/relationships" xmlns:p="http://schemas.openxmlformats.org/presentationml/2006/main" showMasterSp="0" showMasterPhAnim="0">
+  <p:cSld>
+    <p:spTree>
+      <p:nvGrpSpPr>
+        <p:cNvPr id="1" name="Shape 81"/>
+        <p:cNvGrpSpPr/>
+        <p:nvPr/>
+      </p:nvGrpSpPr>
+      <p:grpSpPr>
+        <a:xfrm>
+          <a:off x="0" y="0"/>
+          <a:ext cx="0" cy="0"/>
+          <a:chOff x="0" y="0"/>
+          <a:chExt cx="0" cy="0"/>
+        </a:xfrm>
+      </p:grpSpPr>
+      <p:sp>
+        <p:nvSpPr>
+          <p:cNvPr id="82" name="Google Shape;82;gcb9a0b074_2_0:notes"/>
+          <p:cNvSpPr>
+            <a:spLocks noGrp="1" noRot="1" noChangeAspect="1"/>
+          </p:cNvSpPr>
+          <p:nvPr>
+            <p:ph type="sldImg" idx="2"/>
+          </p:nvPr>
+        </p:nvSpPr>
+        <p:spPr>
+          <a:xfrm>
+            <a:off x="381000" y="685800"/>
+            <a:ext cx="6096000" cy="3429000"/>
+          </a:xfrm>
+          <a:custGeom>
+            <a:avLst/>
+            <a:gdLst/>
+            <a:ahLst/>
+            <a:cxnLst/>
+            <a:rect l="l" t="t" r="r" b="b"/>
+            <a:pathLst>
+              <a:path w="120000" h="120000" extrusionOk="0">
+                <a:moveTo>
+                  <a:pt x="0" y="0"/>
+                </a:moveTo>
+                <a:lnTo>
+                  <a:pt x="120000" y="0"/>
+                </a:lnTo>
+                <a:lnTo>
+                  <a:pt x="120000" y="120000"/>
+                </a:lnTo>
+                <a:lnTo>
+                  <a:pt x="0" y="120000"/>
+                </a:lnTo>
+                <a:close/>
+              </a:path>
+            </a:pathLst>
+          </a:custGeom>
+        </p:spPr>
+      </p:sp>
+      <p:sp>
+        <p:nvSpPr>
+          <p:cNvPr id="83" name="Google Shape;83;gcb9a0b074_2_0:notes"/>
+          <p:cNvSpPr txBox="1">
+            <a:spLocks noGrp="1"/>
+          </p:cNvSpPr>
+          <p:nvPr>
+            <p:ph type="body" idx="1"/>
+          </p:nvPr>
+        </p:nvSpPr>
+        <p:spPr>
+          <a:xfrm>
+            <a:off x="685800" y="4343400"/>
+            <a:ext cx="5486400" cy="4114800"/>
+          </a:xfrm>
+          <a:prstGeom prst="rect">
+            <a:avLst/>
+          </a:prstGeom>
+        </p:spPr>
+        <p:txBody>
+          <a:bodyPr spcFirstLastPara="1" wrap="square" lIns="91425" tIns="91425" rIns="91425" bIns="91425" anchor="t" anchorCtr="0">
+            <a:noAutofit/>
+          </a:bodyPr>
+          <a:lstStyle/>
+          <a:p>
+            <a:pPr marL="0" lvl="0" indent="0" algn="l" rtl="0">
+              <a:spcBef>
+                <a:spcPts val="0"/>
+              </a:spcBef>
+              <a:spcAft>
+                <a:spcPts val="0"/>
+              </a:spcAft>
+              <a:buNone/>
+            </a:pPr>
+            <a:endParaRPr/>
+          </a:p>
+        </p:txBody>
+      </p:sp>
+    </p:spTree>
+    <p:extLst>
+      <p:ext uri="{BB962C8B-B14F-4D97-AF65-F5344CB8AC3E}">
+        <p14:creationId xmlns:p14="http://schemas.microsoft.com/office/powerpoint/2010/main" val="2778617131"/>
+      </p:ext>
+    </p:extLst>
   </p:cSld>
   <p:clrMapOvr>
     <a:masterClrMapping/>
@@ -7930,6 +8040,469 @@
 </p:sld>
 </file>
 
+<file path=ppt/slides/slide4.xml><?xml version="1.0" encoding="utf-8"?>
+<p:sld xmlns:a="http://schemas.openxmlformats.org/drawingml/2006/main" xmlns:r="http://schemas.openxmlformats.org/officeDocument/2006/relationships" xmlns:p="http://schemas.openxmlformats.org/presentationml/2006/main">
+  <p:cSld>
+    <p:bg>
+      <p:bgPr>
+        <a:solidFill>
+          <a:schemeClr val="bg2"/>
+        </a:solidFill>
+        <a:effectLst/>
+      </p:bgPr>
+    </p:bg>
+    <p:spTree>
+      <p:nvGrpSpPr>
+        <p:cNvPr id="1" name="Shape 84"/>
+        <p:cNvGrpSpPr/>
+        <p:nvPr/>
+      </p:nvGrpSpPr>
+      <p:grpSpPr>
+        <a:xfrm>
+          <a:off x="0" y="0"/>
+          <a:ext cx="0" cy="0"/>
+          <a:chOff x="0" y="0"/>
+          <a:chExt cx="0" cy="0"/>
+        </a:xfrm>
+      </p:grpSpPr>
+      <p:sp>
+        <p:nvSpPr>
+          <p:cNvPr id="85" name="Google Shape;85;p15"/>
+          <p:cNvSpPr txBox="1">
+            <a:spLocks noGrp="1"/>
+          </p:cNvSpPr>
+          <p:nvPr>
+            <p:ph type="title"/>
+          </p:nvPr>
+        </p:nvSpPr>
+        <p:spPr>
+          <a:xfrm>
+            <a:off x="283100" y="712150"/>
+            <a:ext cx="8620500" cy="1019700"/>
+          </a:xfrm>
+          <a:prstGeom prst="rect">
+            <a:avLst/>
+          </a:prstGeom>
+        </p:spPr>
+        <p:txBody>
+          <a:bodyPr spcFirstLastPara="1" wrap="square" lIns="91425" tIns="91425" rIns="91425" bIns="91425" anchor="t" anchorCtr="0">
+            <a:noAutofit/>
+          </a:bodyPr>
+          <a:lstStyle/>
+          <a:p>
+            <a:pPr marL="0" lvl="0" indent="0" algn="l" rtl="0">
+              <a:spcBef>
+                <a:spcPts val="0"/>
+              </a:spcBef>
+              <a:spcAft>
+                <a:spcPts val="0"/>
+              </a:spcAft>
+              <a:buNone/>
+            </a:pPr>
+            <a:r>
+              <a:rPr lang="en" dirty="0"/>
+              <a:t>Learnings</a:t>
+            </a:r>
+            <a:endParaRPr dirty="0"/>
+          </a:p>
+        </p:txBody>
+      </p:sp>
+      <p:sp>
+        <p:nvSpPr>
+          <p:cNvPr id="86" name="Google Shape;86;p15"/>
+          <p:cNvSpPr/>
+          <p:nvPr/>
+        </p:nvSpPr>
+        <p:spPr>
+          <a:xfrm>
+            <a:off x="371775" y="1988900"/>
+            <a:ext cx="2629500" cy="2244900"/>
+          </a:xfrm>
+          <a:prstGeom prst="wedgeRectCallout">
+            <a:avLst>
+              <a:gd name="adj1" fmla="val -20833"/>
+              <a:gd name="adj2" fmla="val 62500"/>
+            </a:avLst>
+          </a:prstGeom>
+          <a:solidFill>
+            <a:srgbClr val="89AB07"/>
+          </a:solidFill>
+          <a:ln>
+            <a:noFill/>
+          </a:ln>
+        </p:spPr>
+        <p:txBody>
+          <a:bodyPr spcFirstLastPara="1" wrap="square" lIns="91425" tIns="91425" rIns="91425" bIns="91425" anchor="ctr" anchorCtr="0">
+            <a:noAutofit/>
+          </a:bodyPr>
+          <a:lstStyle/>
+          <a:p>
+            <a:pPr marL="0" lvl="0" indent="0" algn="l" rtl="0">
+              <a:spcBef>
+                <a:spcPts val="0"/>
+              </a:spcBef>
+              <a:spcAft>
+                <a:spcPts val="0"/>
+              </a:spcAft>
+              <a:buNone/>
+            </a:pPr>
+            <a:endParaRPr/>
+          </a:p>
+        </p:txBody>
+      </p:sp>
+      <p:sp>
+        <p:nvSpPr>
+          <p:cNvPr id="87" name="Google Shape;87;p15"/>
+          <p:cNvSpPr/>
+          <p:nvPr/>
+        </p:nvSpPr>
+        <p:spPr>
+          <a:xfrm>
+            <a:off x="3210432" y="1988900"/>
+            <a:ext cx="2629500" cy="2244900"/>
+          </a:xfrm>
+          <a:prstGeom prst="wedgeRectCallout">
+            <a:avLst>
+              <a:gd name="adj1" fmla="val -20833"/>
+              <a:gd name="adj2" fmla="val 62500"/>
+            </a:avLst>
+          </a:prstGeom>
+          <a:solidFill>
+            <a:srgbClr val="F1C232"/>
+          </a:solidFill>
+          <a:ln>
+            <a:noFill/>
+          </a:ln>
+        </p:spPr>
+        <p:txBody>
+          <a:bodyPr spcFirstLastPara="1" wrap="square" lIns="91425" tIns="91425" rIns="91425" bIns="91425" anchor="ctr" anchorCtr="0">
+            <a:noAutofit/>
+          </a:bodyPr>
+          <a:lstStyle/>
+          <a:p>
+            <a:pPr marL="0" lvl="0" indent="0" algn="l" rtl="0">
+              <a:spcBef>
+                <a:spcPts val="0"/>
+              </a:spcBef>
+              <a:spcAft>
+                <a:spcPts val="0"/>
+              </a:spcAft>
+              <a:buNone/>
+            </a:pPr>
+            <a:endParaRPr/>
+          </a:p>
+        </p:txBody>
+      </p:sp>
+      <p:sp>
+        <p:nvSpPr>
+          <p:cNvPr id="88" name="Google Shape;88;p15"/>
+          <p:cNvSpPr/>
+          <p:nvPr/>
+        </p:nvSpPr>
+        <p:spPr>
+          <a:xfrm>
+            <a:off x="6049089" y="1988900"/>
+            <a:ext cx="2629500" cy="2244900"/>
+          </a:xfrm>
+          <a:prstGeom prst="wedgeRectCallout">
+            <a:avLst>
+              <a:gd name="adj1" fmla="val -20833"/>
+              <a:gd name="adj2" fmla="val 62500"/>
+            </a:avLst>
+          </a:prstGeom>
+          <a:solidFill>
+            <a:srgbClr val="FF0000"/>
+          </a:solidFill>
+          <a:ln>
+            <a:noFill/>
+          </a:ln>
+        </p:spPr>
+        <p:txBody>
+          <a:bodyPr spcFirstLastPara="1" wrap="square" lIns="91425" tIns="91425" rIns="91425" bIns="91425" anchor="ctr" anchorCtr="0">
+            <a:noAutofit/>
+          </a:bodyPr>
+          <a:lstStyle/>
+          <a:p>
+            <a:pPr marL="0" lvl="0" indent="0" algn="l" rtl="0">
+              <a:spcBef>
+                <a:spcPts val="0"/>
+              </a:spcBef>
+              <a:spcAft>
+                <a:spcPts val="0"/>
+              </a:spcAft>
+              <a:buNone/>
+            </a:pPr>
+            <a:endParaRPr/>
+          </a:p>
+        </p:txBody>
+      </p:sp>
+      <p:sp>
+        <p:nvSpPr>
+          <p:cNvPr id="89" name="Google Shape;89;p15"/>
+          <p:cNvSpPr txBox="1">
+            <a:spLocks noGrp="1"/>
+          </p:cNvSpPr>
+          <p:nvPr>
+            <p:ph type="title"/>
+          </p:nvPr>
+        </p:nvSpPr>
+        <p:spPr>
+          <a:xfrm>
+            <a:off x="371750" y="1988900"/>
+            <a:ext cx="2629500" cy="2005800"/>
+          </a:xfrm>
+          <a:prstGeom prst="rect">
+            <a:avLst/>
+          </a:prstGeom>
+        </p:spPr>
+        <p:txBody>
+          <a:bodyPr spcFirstLastPara="1" wrap="square" lIns="91425" tIns="91425" rIns="91425" bIns="91425" anchor="t" anchorCtr="0">
+            <a:noAutofit/>
+          </a:bodyPr>
+          <a:lstStyle/>
+          <a:p>
+            <a:pPr marL="0" lvl="0" indent="0" algn="l" rtl="0">
+              <a:spcBef>
+                <a:spcPts val="0"/>
+              </a:spcBef>
+              <a:spcAft>
+                <a:spcPts val="0"/>
+              </a:spcAft>
+              <a:buNone/>
+            </a:pPr>
+            <a:endParaRPr sz="2100" dirty="0">
+              <a:solidFill>
+                <a:schemeClr val="lt1"/>
+              </a:solidFill>
+            </a:endParaRPr>
+          </a:p>
+          <a:p>
+            <a:pPr marL="0" lvl="0" indent="0" algn="ctr" rtl="0">
+              <a:spcBef>
+                <a:spcPts val="1200"/>
+              </a:spcBef>
+              <a:spcAft>
+                <a:spcPts val="1200"/>
+              </a:spcAft>
+              <a:buNone/>
+            </a:pPr>
+            <a:r>
+              <a:rPr lang="en" sz="2000" dirty="0"/>
+              <a:t>don’t panic!</a:t>
+            </a:r>
+            <a:br>
+              <a:rPr lang="en" sz="2000" dirty="0"/>
+            </a:br>
+            <a:r>
+              <a:rPr lang="pt-PT" sz="2000" dirty="0"/>
+              <a:t>d</a:t>
+            </a:r>
+            <a:r>
+              <a:rPr lang="en" sz="2000" dirty="0"/>
+              <a:t>on’t stress! </a:t>
+            </a:r>
+            <a:br>
+              <a:rPr lang="en" sz="2000" dirty="0"/>
+            </a:br>
+            <a:r>
+              <a:rPr lang="en" sz="2000" dirty="0"/>
+              <a:t>just think</a:t>
+            </a:r>
+            <a:endParaRPr sz="2000" dirty="0">
+              <a:solidFill>
+                <a:schemeClr val="lt1"/>
+              </a:solidFill>
+            </a:endParaRPr>
+          </a:p>
+        </p:txBody>
+      </p:sp>
+      <p:sp>
+        <p:nvSpPr>
+          <p:cNvPr id="90" name="Google Shape;90;p15"/>
+          <p:cNvSpPr txBox="1"/>
+          <p:nvPr/>
+        </p:nvSpPr>
+        <p:spPr>
+          <a:xfrm>
+            <a:off x="283100" y="4654975"/>
+            <a:ext cx="6244200" cy="257700"/>
+          </a:xfrm>
+          <a:prstGeom prst="rect">
+            <a:avLst/>
+          </a:prstGeom>
+          <a:noFill/>
+          <a:ln>
+            <a:noFill/>
+          </a:ln>
+        </p:spPr>
+        <p:txBody>
+          <a:bodyPr spcFirstLastPara="1" wrap="square" lIns="91425" tIns="91425" rIns="91425" bIns="91425" anchor="ctr" anchorCtr="0">
+            <a:noAutofit/>
+          </a:bodyPr>
+          <a:lstStyle/>
+          <a:p>
+            <a:pPr marL="0" lvl="0" indent="0" algn="l" rtl="0">
+              <a:spcBef>
+                <a:spcPts val="0"/>
+              </a:spcBef>
+              <a:spcAft>
+                <a:spcPts val="0"/>
+              </a:spcAft>
+              <a:buNone/>
+            </a:pPr>
+            <a:endParaRPr sz="1200" i="1">
+              <a:solidFill>
+                <a:schemeClr val="accent5"/>
+              </a:solidFill>
+              <a:latin typeface="Lato"/>
+              <a:ea typeface="Lato"/>
+              <a:cs typeface="Lato"/>
+              <a:sym typeface="Lato"/>
+            </a:endParaRPr>
+          </a:p>
+        </p:txBody>
+      </p:sp>
+      <p:sp>
+        <p:nvSpPr>
+          <p:cNvPr id="91" name="Google Shape;91;p15"/>
+          <p:cNvSpPr txBox="1">
+            <a:spLocks noGrp="1"/>
+          </p:cNvSpPr>
+          <p:nvPr>
+            <p:ph type="title"/>
+          </p:nvPr>
+        </p:nvSpPr>
+        <p:spPr>
+          <a:xfrm>
+            <a:off x="3210425" y="1988900"/>
+            <a:ext cx="2629500" cy="2005800"/>
+          </a:xfrm>
+          <a:prstGeom prst="rect">
+            <a:avLst/>
+          </a:prstGeom>
+        </p:spPr>
+        <p:txBody>
+          <a:bodyPr spcFirstLastPara="1" wrap="square" lIns="91425" tIns="91425" rIns="91425" bIns="91425" anchor="t" anchorCtr="0">
+            <a:noAutofit/>
+          </a:bodyPr>
+          <a:lstStyle/>
+          <a:p>
+            <a:pPr marL="0" lvl="0" indent="0" algn="l" rtl="0">
+              <a:spcBef>
+                <a:spcPts val="0"/>
+              </a:spcBef>
+              <a:spcAft>
+                <a:spcPts val="0"/>
+              </a:spcAft>
+              <a:buNone/>
+            </a:pPr>
+            <a:endParaRPr lang="pt-PT" sz="2100" dirty="0">
+              <a:solidFill>
+                <a:schemeClr val="lt1"/>
+              </a:solidFill>
+            </a:endParaRPr>
+          </a:p>
+          <a:p>
+            <a:pPr marL="0" lvl="0" indent="0" algn="ctr" rtl="0">
+              <a:spcBef>
+                <a:spcPts val="1200"/>
+              </a:spcBef>
+              <a:spcAft>
+                <a:spcPts val="1200"/>
+              </a:spcAft>
+              <a:buNone/>
+            </a:pPr>
+            <a:r>
+              <a:rPr lang="en-US" sz="2000" dirty="0"/>
+              <a:t>pay attention to all details</a:t>
+            </a:r>
+            <a:endParaRPr lang="en-US" sz="2000" dirty="0">
+              <a:solidFill>
+                <a:schemeClr val="lt1"/>
+              </a:solidFill>
+            </a:endParaRPr>
+          </a:p>
+        </p:txBody>
+      </p:sp>
+      <p:sp>
+        <p:nvSpPr>
+          <p:cNvPr id="92" name="Google Shape;92;p15"/>
+          <p:cNvSpPr txBox="1">
+            <a:spLocks noGrp="1"/>
+          </p:cNvSpPr>
+          <p:nvPr>
+            <p:ph type="title"/>
+          </p:nvPr>
+        </p:nvSpPr>
+        <p:spPr>
+          <a:xfrm>
+            <a:off x="6049075" y="1988900"/>
+            <a:ext cx="2629500" cy="2005800"/>
+          </a:xfrm>
+          <a:prstGeom prst="rect">
+            <a:avLst/>
+          </a:prstGeom>
+        </p:spPr>
+        <p:txBody>
+          <a:bodyPr spcFirstLastPara="1" wrap="square" lIns="91425" tIns="91425" rIns="91425" bIns="91425" anchor="t" anchorCtr="0">
+            <a:noAutofit/>
+          </a:bodyPr>
+          <a:lstStyle/>
+          <a:p>
+            <a:pPr marL="0" lvl="0" indent="0" algn="l" rtl="0">
+              <a:spcBef>
+                <a:spcPts val="0"/>
+              </a:spcBef>
+              <a:spcAft>
+                <a:spcPts val="0"/>
+              </a:spcAft>
+              <a:buNone/>
+            </a:pPr>
+            <a:endParaRPr sz="2100" dirty="0">
+              <a:solidFill>
+                <a:schemeClr val="lt1"/>
+              </a:solidFill>
+            </a:endParaRPr>
+          </a:p>
+          <a:p>
+            <a:pPr marL="0" lvl="0" indent="0" algn="ctr" rtl="0">
+              <a:spcBef>
+                <a:spcPts val="1200"/>
+              </a:spcBef>
+              <a:spcAft>
+                <a:spcPts val="1200"/>
+              </a:spcAft>
+              <a:buNone/>
+            </a:pPr>
+            <a:r>
+              <a:rPr lang="pt-PT" sz="1900" dirty="0"/>
+              <a:t>b</a:t>
+            </a:r>
+            <a:r>
+              <a:rPr lang="en" sz="1900" dirty="0"/>
+              <a:t>efore start coding, plan the logic </a:t>
+            </a:r>
+            <a:endParaRPr sz="1900" dirty="0">
+              <a:solidFill>
+                <a:schemeClr val="lt1"/>
+              </a:solidFill>
+            </a:endParaRPr>
+          </a:p>
+        </p:txBody>
+      </p:sp>
+    </p:spTree>
+    <p:extLst>
+      <p:ext uri="{BB962C8B-B14F-4D97-AF65-F5344CB8AC3E}">
+        <p14:creationId xmlns:p14="http://schemas.microsoft.com/office/powerpoint/2010/main" val="3271221576"/>
+      </p:ext>
+    </p:extLst>
+  </p:cSld>
+  <p:clrMapOvr>
+    <a:masterClrMapping/>
+  </p:clrMapOvr>
+</p:sld>
+</file>
+
 <file path=ppt/theme/theme1.xml><?xml version="1.0" encoding="utf-8"?>
 <a:theme xmlns:a="http://schemas.openxmlformats.org/drawingml/2006/main" name="Swiss">
   <a:themeElements>

--- a/stress_ball.pptx
+++ b/stress_ball.pptx
@@ -7198,10 +7198,16 @@
               <a:buNone/>
             </a:pPr>
             <a:r>
-              <a:rPr lang="en" sz="12900" dirty="0"/>
+              <a:rPr lang="en" sz="8800" dirty="0">
+                <a:latin typeface="Courier New" panose="02070309020205020404" pitchFamily="49" charset="0"/>
+                <a:cs typeface="Courier New" panose="02070309020205020404" pitchFamily="49" charset="0"/>
+              </a:rPr>
               <a:t>stress|ball</a:t>
             </a:r>
-            <a:endParaRPr sz="12900" dirty="0"/>
+            <a:endParaRPr sz="8800" dirty="0">
+              <a:latin typeface="Courier New" panose="02070309020205020404" pitchFamily="49" charset="0"/>
+              <a:cs typeface="Courier New" panose="02070309020205020404" pitchFamily="49" charset="0"/>
+            </a:endParaRPr>
           </a:p>
         </p:txBody>
       </p:sp>
@@ -7217,8 +7223,8 @@
         </p:nvSpPr>
         <p:spPr>
           <a:xfrm>
-            <a:off x="416325" y="4312850"/>
-            <a:ext cx="8305500" cy="554100"/>
+            <a:off x="416325" y="4374538"/>
+            <a:ext cx="8305500" cy="492412"/>
           </a:xfrm>
           <a:prstGeom prst="rect">
             <a:avLst/>
@@ -7240,10 +7246,16 @@
               <a:buNone/>
             </a:pPr>
             <a:r>
-              <a:rPr lang="en" sz="2400"/>
+              <a:rPr lang="en" sz="2000" dirty="0">
+                <a:latin typeface="Courier New" panose="02070309020205020404" pitchFamily="49" charset="0"/>
+                <a:cs typeface="Courier New" panose="02070309020205020404" pitchFamily="49" charset="0"/>
+              </a:rPr>
               <a:t>by Rita Mak</a:t>
             </a:r>
-            <a:endParaRPr sz="2400" b="1"/>
+            <a:endParaRPr sz="2000" dirty="0">
+              <a:latin typeface="Courier New" panose="02070309020205020404" pitchFamily="49" charset="0"/>
+              <a:cs typeface="Courier New" panose="02070309020205020404" pitchFamily="49" charset="0"/>
+            </a:endParaRPr>
           </a:p>
         </p:txBody>
       </p:sp>
@@ -7255,8 +7267,8 @@
         </p:nvSpPr>
         <p:spPr>
           <a:xfrm>
-            <a:off x="5624623" y="4389800"/>
-            <a:ext cx="3519376" cy="400079"/>
+            <a:off x="4428781" y="4325275"/>
+            <a:ext cx="4715219" cy="461635"/>
           </a:xfrm>
           <a:prstGeom prst="rect">
             <a:avLst/>
@@ -7282,17 +7294,21 @@
               <a:buNone/>
             </a:pPr>
             <a:r>
-              <a:rPr lang="en" b="1" dirty="0">
+              <a:rPr lang="en" sz="1800" b="1" dirty="0">
                 <a:solidFill>
                   <a:schemeClr val="lt1"/>
                 </a:solidFill>
+                <a:latin typeface="Courier New" panose="02070309020205020404" pitchFamily="49" charset="0"/>
+                <a:cs typeface="Courier New" panose="02070309020205020404" pitchFamily="49" charset="0"/>
               </a:rPr>
-              <a:t>https://ritamak.github.io/stress-ball/</a:t>
+              <a:t>ritamak.github.io/stress-ball/</a:t>
             </a:r>
-            <a:endParaRPr b="1" dirty="0">
+            <a:endParaRPr sz="1800" b="1" dirty="0">
               <a:solidFill>
                 <a:schemeClr val="lt1"/>
               </a:solidFill>
+              <a:latin typeface="Courier New" panose="02070309020205020404" pitchFamily="49" charset="0"/>
+              <a:cs typeface="Courier New" panose="02070309020205020404" pitchFamily="49" charset="0"/>
             </a:endParaRPr>
           </a:p>
         </p:txBody>
@@ -7369,6 +7385,8 @@
                 <a:solidFill>
                   <a:srgbClr val="FF0000"/>
                 </a:solidFill>
+                <a:latin typeface="Courier New" panose="02070309020205020404" pitchFamily="49" charset="0"/>
+                <a:cs typeface="Courier New" panose="02070309020205020404" pitchFamily="49" charset="0"/>
               </a:rPr>
               <a:t>The game</a:t>
             </a:r>
@@ -7376,6 +7394,8 @@
               <a:solidFill>
                 <a:srgbClr val="FF0000"/>
               </a:solidFill>
+              <a:latin typeface="Courier New" panose="02070309020205020404" pitchFamily="49" charset="0"/>
+              <a:cs typeface="Courier New" panose="02070309020205020404" pitchFamily="49" charset="0"/>
             </a:endParaRPr>
           </a:p>
         </p:txBody>
@@ -7420,68 +7440,68 @@
               <a:buChar char="●"/>
             </a:pPr>
             <a:r>
-              <a:rPr lang="en" sz="1800" b="0" dirty="0">
-                <a:latin typeface="Lato"/>
+              <a:rPr lang="en-US" sz="1400" b="0" dirty="0">
+                <a:latin typeface="Courier New" panose="02070309020205020404" pitchFamily="49" charset="0"/>
                 <a:ea typeface="Lato"/>
-                <a:cs typeface="Lato"/>
+                <a:cs typeface="Courier New" panose="02070309020205020404" pitchFamily="49" charset="0"/>
                 <a:sym typeface="Lato"/>
               </a:rPr>
               <a:t>At first, it has a</a:t>
             </a:r>
             <a:r>
-              <a:rPr lang="en" sz="1800" b="0" u="sng" dirty="0">
-                <a:latin typeface="Lato"/>
+              <a:rPr lang="en-US" sz="1400" b="0" u="sng" dirty="0">
+                <a:latin typeface="Courier New" panose="02070309020205020404" pitchFamily="49" charset="0"/>
                 <a:ea typeface="Lato"/>
-                <a:cs typeface="Lato"/>
+                <a:cs typeface="Courier New" panose="02070309020205020404" pitchFamily="49" charset="0"/>
                 <a:sym typeface="Lato"/>
               </a:rPr>
               <a:t> </a:t>
             </a:r>
             <a:r>
-              <a:rPr lang="en" sz="1800" b="0" u="sng" dirty="0">
+              <a:rPr lang="en-US" sz="1400" b="0" u="sng" dirty="0">
                 <a:solidFill>
                   <a:schemeClr val="bg2"/>
                 </a:solidFill>
-                <a:latin typeface="Lato"/>
+                <a:latin typeface="Courier New" panose="02070309020205020404" pitchFamily="49" charset="0"/>
                 <a:ea typeface="Lato"/>
-                <a:cs typeface="Lato"/>
+                <a:cs typeface="Courier New" panose="02070309020205020404" pitchFamily="49" charset="0"/>
                 <a:sym typeface="Lato"/>
               </a:rPr>
               <a:t>white ball</a:t>
             </a:r>
             <a:r>
-              <a:rPr lang="en" sz="1800" b="0" dirty="0">
+              <a:rPr lang="en-US" sz="1400" b="0" dirty="0">
                 <a:solidFill>
                   <a:schemeClr val="bg2"/>
                 </a:solidFill>
-                <a:latin typeface="Lato"/>
+                <a:latin typeface="Courier New" panose="02070309020205020404" pitchFamily="49" charset="0"/>
                 <a:ea typeface="Lato"/>
-                <a:cs typeface="Lato"/>
+                <a:cs typeface="Courier New" panose="02070309020205020404" pitchFamily="49" charset="0"/>
                 <a:sym typeface="Lato"/>
               </a:rPr>
               <a:t> </a:t>
             </a:r>
             <a:r>
-              <a:rPr lang="en" sz="1800" b="0" dirty="0">
-                <a:latin typeface="Lato"/>
+              <a:rPr lang="en-US" sz="1400" b="0" dirty="0">
+                <a:latin typeface="Courier New" panose="02070309020205020404" pitchFamily="49" charset="0"/>
                 <a:ea typeface="Lato"/>
-                <a:cs typeface="Lato"/>
+                <a:cs typeface="Courier New" panose="02070309020205020404" pitchFamily="49" charset="0"/>
                 <a:sym typeface="Lato"/>
               </a:rPr>
               <a:t>moving to random places inside the canvas;</a:t>
             </a:r>
             <a:br>
-              <a:rPr lang="en" sz="1800" b="0" dirty="0">
-                <a:latin typeface="Lato"/>
+              <a:rPr lang="en-US" sz="1400" b="0" dirty="0">
+                <a:latin typeface="Courier New" panose="02070309020205020404" pitchFamily="49" charset="0"/>
                 <a:ea typeface="Lato"/>
-                <a:cs typeface="Lato"/>
+                <a:cs typeface="Courier New" panose="02070309020205020404" pitchFamily="49" charset="0"/>
                 <a:sym typeface="Lato"/>
               </a:rPr>
             </a:br>
-            <a:endParaRPr sz="1800" b="0" dirty="0">
-              <a:latin typeface="Lato"/>
+            <a:endParaRPr lang="en-US" sz="1400" b="0" dirty="0">
+              <a:latin typeface="Courier New" panose="02070309020205020404" pitchFamily="49" charset="0"/>
               <a:ea typeface="Lato"/>
-              <a:cs typeface="Lato"/>
+              <a:cs typeface="Courier New" panose="02070309020205020404" pitchFamily="49" charset="0"/>
               <a:sym typeface="Lato"/>
             </a:endParaRPr>
           </a:p>
@@ -7501,26 +7521,26 @@
               <a:buChar char="●"/>
             </a:pPr>
             <a:r>
-              <a:rPr lang="en" sz="1800" b="0" dirty="0">
-                <a:latin typeface="Lato"/>
+              <a:rPr lang="en-US" sz="1400" b="0" dirty="0">
+                <a:latin typeface="Courier New" panose="02070309020205020404" pitchFamily="49" charset="0"/>
                 <a:ea typeface="Lato"/>
-                <a:cs typeface="Lato"/>
+                <a:cs typeface="Courier New" panose="02070309020205020404" pitchFamily="49" charset="0"/>
                 <a:sym typeface="Lato"/>
               </a:rPr>
-              <a:t>The user has to be quick enough to click inside of the ball when the ball appears;</a:t>
+              <a:t>The user must be quick enough to click inside of the ball when the ball appears;</a:t>
             </a:r>
             <a:br>
-              <a:rPr lang="en" sz="1800" b="0" dirty="0">
-                <a:latin typeface="Lato"/>
+              <a:rPr lang="en-US" sz="1400" b="0" dirty="0">
+                <a:latin typeface="Courier New" panose="02070309020205020404" pitchFamily="49" charset="0"/>
                 <a:ea typeface="Lato"/>
-                <a:cs typeface="Lato"/>
+                <a:cs typeface="Courier New" panose="02070309020205020404" pitchFamily="49" charset="0"/>
                 <a:sym typeface="Lato"/>
               </a:rPr>
             </a:br>
-            <a:endParaRPr sz="1800" b="0" dirty="0">
-              <a:latin typeface="Lato"/>
+            <a:endParaRPr lang="en-US" sz="1400" b="0" dirty="0">
+              <a:latin typeface="Courier New" panose="02070309020205020404" pitchFamily="49" charset="0"/>
               <a:ea typeface="Lato"/>
-              <a:cs typeface="Lato"/>
+              <a:cs typeface="Courier New" panose="02070309020205020404" pitchFamily="49" charset="0"/>
               <a:sym typeface="Lato"/>
             </a:endParaRPr>
           </a:p>
@@ -7540,26 +7560,26 @@
               <a:buChar char="●"/>
             </a:pPr>
             <a:r>
-              <a:rPr lang="en" sz="1800" b="0" dirty="0">
-                <a:latin typeface="Lato"/>
+              <a:rPr lang="en-US" sz="1400" b="0" dirty="0">
+                <a:latin typeface="Courier New" panose="02070309020205020404" pitchFamily="49" charset="0"/>
                 <a:ea typeface="Lato"/>
-                <a:cs typeface="Lato"/>
+                <a:cs typeface="Courier New" panose="02070309020205020404" pitchFamily="49" charset="0"/>
                 <a:sym typeface="Lato"/>
               </a:rPr>
-              <a:t>Every 10 seconds the difficulty increases and the ball moves faster. In the last level a black ball appears to create a more challenging environment ;</a:t>
+              <a:t>Every 10 seconds the difficulty increases, and the ball moves faster. In the last level a black ball appears;</a:t>
             </a:r>
             <a:br>
-              <a:rPr lang="en" sz="1800" b="0" dirty="0">
-                <a:latin typeface="Lato"/>
+              <a:rPr lang="en-US" sz="1400" b="0" dirty="0">
+                <a:latin typeface="Courier New" panose="02070309020205020404" pitchFamily="49" charset="0"/>
                 <a:ea typeface="Lato"/>
-                <a:cs typeface="Lato"/>
+                <a:cs typeface="Courier New" panose="02070309020205020404" pitchFamily="49" charset="0"/>
                 <a:sym typeface="Lato"/>
               </a:rPr>
             </a:br>
-            <a:endParaRPr sz="1800" b="0" dirty="0">
-              <a:latin typeface="Lato"/>
+            <a:endParaRPr lang="en-US" sz="1400" b="0" dirty="0">
+              <a:latin typeface="Courier New" panose="02070309020205020404" pitchFamily="49" charset="0"/>
               <a:ea typeface="Lato"/>
-              <a:cs typeface="Lato"/>
+              <a:cs typeface="Courier New" panose="02070309020205020404" pitchFamily="49" charset="0"/>
               <a:sym typeface="Lato"/>
             </a:endParaRPr>
           </a:p>
@@ -7579,20 +7599,14 @@
               <a:buChar char="●"/>
             </a:pPr>
             <a:r>
-              <a:rPr lang="en" sz="1800" b="0" dirty="0">
-                <a:latin typeface="Lato"/>
+              <a:rPr lang="en-US" sz="1400" b="0" dirty="0">
+                <a:latin typeface="Courier New" panose="02070309020205020404" pitchFamily="49" charset="0"/>
                 <a:ea typeface="Lato"/>
-                <a:cs typeface="Lato"/>
+                <a:cs typeface="Courier New" panose="02070309020205020404" pitchFamily="49" charset="0"/>
                 <a:sym typeface="Lato"/>
               </a:rPr>
               <a:t>If the user fails to click inside the ball, the user loses the game.</a:t>
             </a:r>
-            <a:endParaRPr sz="1800" b="0" dirty="0">
-              <a:latin typeface="Lato"/>
-              <a:ea typeface="Lato"/>
-              <a:cs typeface="Lato"/>
-              <a:sym typeface="Lato"/>
-            </a:endParaRPr>
           </a:p>
         </p:txBody>
       </p:sp>
@@ -7664,10 +7678,16 @@
               <a:buNone/>
             </a:pPr>
             <a:r>
-              <a:rPr lang="en"/>
+              <a:rPr lang="en" dirty="0">
+                <a:latin typeface="Courier New" panose="02070309020205020404" pitchFamily="49" charset="0"/>
+                <a:cs typeface="Courier New" panose="02070309020205020404" pitchFamily="49" charset="0"/>
+              </a:rPr>
               <a:t>Challenges</a:t>
             </a:r>
-            <a:endParaRPr/>
+            <a:endParaRPr dirty="0">
+              <a:latin typeface="Courier New" panose="02070309020205020404" pitchFamily="49" charset="0"/>
+              <a:cs typeface="Courier New" panose="02070309020205020404" pitchFamily="49" charset="0"/>
+            </a:endParaRPr>
           </a:p>
         </p:txBody>
       </p:sp>
@@ -7825,22 +7845,6 @@
           </a:bodyPr>
           <a:lstStyle/>
           <a:p>
-            <a:pPr marL="0" lvl="0" indent="0" algn="l" rtl="0">
-              <a:spcBef>
-                <a:spcPts val="0"/>
-              </a:spcBef>
-              <a:spcAft>
-                <a:spcPts val="0"/>
-              </a:spcAft>
-              <a:buNone/>
-            </a:pPr>
-            <a:endParaRPr sz="2100" dirty="0">
-              <a:solidFill>
-                <a:schemeClr val="lt1"/>
-              </a:solidFill>
-            </a:endParaRPr>
-          </a:p>
-          <a:p>
             <a:pPr marL="0" lvl="0" indent="0" algn="ctr" rtl="0">
               <a:spcBef>
                 <a:spcPts val="1200"/>
@@ -7851,59 +7855,18 @@
               <a:buNone/>
             </a:pPr>
             <a:r>
-              <a:rPr lang="en" sz="2000" dirty="0"/>
+              <a:rPr lang="en" sz="2000" dirty="0">
+                <a:latin typeface="Courier New" panose="02070309020205020404" pitchFamily="49" charset="0"/>
+                <a:cs typeface="Courier New" panose="02070309020205020404" pitchFamily="49" charset="0"/>
+              </a:rPr>
               <a:t>changing the game levels, increasing the velocity of the moving ball</a:t>
             </a:r>
             <a:endParaRPr sz="2000" dirty="0">
               <a:solidFill>
                 <a:schemeClr val="lt1"/>
               </a:solidFill>
-            </a:endParaRPr>
-          </a:p>
-        </p:txBody>
-      </p:sp>
-      <p:sp>
-        <p:nvSpPr>
-          <p:cNvPr id="90" name="Google Shape;90;p15"/>
-          <p:cNvSpPr txBox="1"/>
-          <p:nvPr/>
-        </p:nvSpPr>
-        <p:spPr>
-          <a:xfrm>
-            <a:off x="283100" y="4654975"/>
-            <a:ext cx="6244200" cy="257700"/>
-          </a:xfrm>
-          <a:prstGeom prst="rect">
-            <a:avLst/>
-          </a:prstGeom>
-          <a:noFill/>
-          <a:ln>
-            <a:noFill/>
-          </a:ln>
-        </p:spPr>
-        <p:txBody>
-          <a:bodyPr spcFirstLastPara="1" wrap="square" lIns="91425" tIns="91425" rIns="91425" bIns="91425" anchor="ctr" anchorCtr="0">
-            <a:noAutofit/>
-          </a:bodyPr>
-          <a:lstStyle/>
-          <a:p>
-            <a:pPr marL="0" lvl="0" indent="0" algn="l" rtl="0">
-              <a:spcBef>
-                <a:spcPts val="0"/>
-              </a:spcBef>
-              <a:spcAft>
-                <a:spcPts val="0"/>
-              </a:spcAft>
-              <a:buNone/>
-            </a:pPr>
-            <a:endParaRPr sz="1200" i="1">
-              <a:solidFill>
-                <a:schemeClr val="accent5"/>
-              </a:solidFill>
-              <a:latin typeface="Lato"/>
-              <a:ea typeface="Lato"/>
-              <a:cs typeface="Lato"/>
-              <a:sym typeface="Lato"/>
+              <a:latin typeface="Courier New" panose="02070309020205020404" pitchFamily="49" charset="0"/>
+              <a:cs typeface="Courier New" panose="02070309020205020404" pitchFamily="49" charset="0"/>
             </a:endParaRPr>
           </a:p>
         </p:txBody>
@@ -7933,22 +7896,6 @@
           </a:bodyPr>
           <a:lstStyle/>
           <a:p>
-            <a:pPr marL="0" lvl="0" indent="0" algn="l" rtl="0">
-              <a:spcBef>
-                <a:spcPts val="0"/>
-              </a:spcBef>
-              <a:spcAft>
-                <a:spcPts val="0"/>
-              </a:spcAft>
-              <a:buNone/>
-            </a:pPr>
-            <a:endParaRPr sz="2100" dirty="0">
-              <a:solidFill>
-                <a:schemeClr val="lt1"/>
-              </a:solidFill>
-            </a:endParaRPr>
-          </a:p>
-          <a:p>
             <a:pPr marL="0" lvl="0" indent="0" algn="ctr" rtl="0">
               <a:spcBef>
                 <a:spcPts val="1200"/>
@@ -7959,13 +7906,18 @@
               <a:buNone/>
             </a:pPr>
             <a:r>
-              <a:rPr lang="en" sz="2000" dirty="0"/>
-              <a:t>stopping the intervals and time outs for the levels </a:t>
+              <a:rPr lang="en" sz="2000" dirty="0">
+                <a:latin typeface="Courier New" panose="02070309020205020404" pitchFamily="49" charset="0"/>
+                <a:cs typeface="Courier New" panose="02070309020205020404" pitchFamily="49" charset="0"/>
+              </a:rPr>
+              <a:t>stopping the timeouts inside the intervals (for the levels)</a:t>
             </a:r>
             <a:endParaRPr sz="2000" dirty="0">
               <a:solidFill>
                 <a:schemeClr val="lt1"/>
               </a:solidFill>
+              <a:latin typeface="Courier New" panose="02070309020205020404" pitchFamily="49" charset="0"/>
+              <a:cs typeface="Courier New" panose="02070309020205020404" pitchFamily="49" charset="0"/>
             </a:endParaRPr>
           </a:p>
         </p:txBody>
@@ -7995,39 +7947,28 @@
           </a:bodyPr>
           <a:lstStyle/>
           <a:p>
-            <a:pPr marL="0" lvl="0" indent="0" algn="l" rtl="0">
-              <a:spcBef>
-                <a:spcPts val="0"/>
-              </a:spcBef>
-              <a:spcAft>
-                <a:spcPts val="0"/>
+            <a:pPr marL="0" lvl="0" indent="0" algn="ctr" rtl="0">
+              <a:spcBef>
+                <a:spcPts val="1200"/>
+              </a:spcBef>
+              <a:spcAft>
+                <a:spcPts val="1200"/>
               </a:spcAft>
               <a:buNone/>
             </a:pPr>
-            <a:endParaRPr sz="2100" dirty="0">
+            <a:r>
+              <a:rPr lang="en" sz="2000" dirty="0">
+                <a:latin typeface="Courier New" panose="02070309020205020404" pitchFamily="49" charset="0"/>
+                <a:cs typeface="Courier New" panose="02070309020205020404" pitchFamily="49" charset="0"/>
+              </a:rPr>
+              <a:t>making the restart button resetting the levels </a:t>
+            </a:r>
+            <a:endParaRPr sz="2000" dirty="0">
               <a:solidFill>
                 <a:schemeClr val="lt1"/>
               </a:solidFill>
-            </a:endParaRPr>
-          </a:p>
-          <a:p>
-            <a:pPr marL="0" lvl="0" indent="0" algn="ctr" rtl="0">
-              <a:spcBef>
-                <a:spcPts val="1200"/>
-              </a:spcBef>
-              <a:spcAft>
-                <a:spcPts val="1200"/>
-              </a:spcAft>
-              <a:buNone/>
-            </a:pPr>
-            <a:r>
-              <a:rPr lang="en" sz="1900" dirty="0"/>
-              <a:t>making the restart button resetting the levels </a:t>
-            </a:r>
-            <a:endParaRPr sz="1900" dirty="0">
-              <a:solidFill>
-                <a:schemeClr val="lt1"/>
-              </a:solidFill>
+              <a:latin typeface="Courier New" panose="02070309020205020404" pitchFamily="49" charset="0"/>
+              <a:cs typeface="Courier New" panose="02070309020205020404" pitchFamily="49" charset="0"/>
             </a:endParaRPr>
           </a:p>
         </p:txBody>
@@ -8100,10 +8041,16 @@
               <a:buNone/>
             </a:pPr>
             <a:r>
-              <a:rPr lang="en" dirty="0"/>
+              <a:rPr lang="en" dirty="0">
+                <a:latin typeface="Courier New" panose="02070309020205020404" pitchFamily="49" charset="0"/>
+                <a:cs typeface="Courier New" panose="02070309020205020404" pitchFamily="49" charset="0"/>
+              </a:rPr>
               <a:t>Learnings</a:t>
             </a:r>
-            <a:endParaRPr dirty="0"/>
+            <a:endParaRPr dirty="0">
+              <a:latin typeface="Courier New" panose="02070309020205020404" pitchFamily="49" charset="0"/>
+              <a:cs typeface="Courier New" panose="02070309020205020404" pitchFamily="49" charset="0"/>
+            </a:endParaRPr>
           </a:p>
         </p:txBody>
       </p:sp>
@@ -8287,77 +8234,38 @@
               <a:buNone/>
             </a:pPr>
             <a:r>
-              <a:rPr lang="en" sz="2000" dirty="0"/>
+              <a:rPr lang="en" sz="2000" dirty="0">
+                <a:latin typeface="Courier New" panose="02070309020205020404" pitchFamily="49" charset="0"/>
+                <a:cs typeface="Courier New" panose="02070309020205020404" pitchFamily="49" charset="0"/>
+              </a:rPr>
               <a:t>don’t panic!</a:t>
             </a:r>
             <a:br>
-              <a:rPr lang="en" sz="2000" dirty="0"/>
+              <a:rPr lang="en" sz="2000" dirty="0">
+                <a:latin typeface="Courier New" panose="02070309020205020404" pitchFamily="49" charset="0"/>
+                <a:cs typeface="Courier New" panose="02070309020205020404" pitchFamily="49" charset="0"/>
+              </a:rPr>
             </a:br>
             <a:r>
-              <a:rPr lang="pt-PT" sz="2000" dirty="0"/>
+              <a:rPr lang="pt-PT" sz="2000" dirty="0">
+                <a:latin typeface="Courier New" panose="02070309020205020404" pitchFamily="49" charset="0"/>
+                <a:cs typeface="Courier New" panose="02070309020205020404" pitchFamily="49" charset="0"/>
+              </a:rPr>
               <a:t>d</a:t>
             </a:r>
             <a:r>
-              <a:rPr lang="en" sz="2000" dirty="0"/>
+              <a:rPr lang="en" sz="2000" dirty="0">
+                <a:latin typeface="Courier New" panose="02070309020205020404" pitchFamily="49" charset="0"/>
+                <a:cs typeface="Courier New" panose="02070309020205020404" pitchFamily="49" charset="0"/>
+              </a:rPr>
               <a:t>on’t stress! </a:t>
-            </a:r>
-            <a:br>
-              <a:rPr lang="en" sz="2000" dirty="0"/>
-            </a:br>
-            <a:r>
-              <a:rPr lang="en" sz="2000" dirty="0"/>
-              <a:t>just think</a:t>
             </a:r>
             <a:endParaRPr sz="2000" dirty="0">
               <a:solidFill>
                 <a:schemeClr val="lt1"/>
               </a:solidFill>
-            </a:endParaRPr>
-          </a:p>
-        </p:txBody>
-      </p:sp>
-      <p:sp>
-        <p:nvSpPr>
-          <p:cNvPr id="90" name="Google Shape;90;p15"/>
-          <p:cNvSpPr txBox="1"/>
-          <p:nvPr/>
-        </p:nvSpPr>
-        <p:spPr>
-          <a:xfrm>
-            <a:off x="283100" y="4654975"/>
-            <a:ext cx="6244200" cy="257700"/>
-          </a:xfrm>
-          <a:prstGeom prst="rect">
-            <a:avLst/>
-          </a:prstGeom>
-          <a:noFill/>
-          <a:ln>
-            <a:noFill/>
-          </a:ln>
-        </p:spPr>
-        <p:txBody>
-          <a:bodyPr spcFirstLastPara="1" wrap="square" lIns="91425" tIns="91425" rIns="91425" bIns="91425" anchor="ctr" anchorCtr="0">
-            <a:noAutofit/>
-          </a:bodyPr>
-          <a:lstStyle/>
-          <a:p>
-            <a:pPr marL="0" lvl="0" indent="0" algn="l" rtl="0">
-              <a:spcBef>
-                <a:spcPts val="0"/>
-              </a:spcBef>
-              <a:spcAft>
-                <a:spcPts val="0"/>
-              </a:spcAft>
-              <a:buNone/>
-            </a:pPr>
-            <a:endParaRPr sz="1200" i="1">
-              <a:solidFill>
-                <a:schemeClr val="accent5"/>
-              </a:solidFill>
-              <a:latin typeface="Lato"/>
-              <a:ea typeface="Lato"/>
-              <a:cs typeface="Lato"/>
-              <a:sym typeface="Lato"/>
+              <a:latin typeface="Courier New" panose="02070309020205020404" pitchFamily="49" charset="0"/>
+              <a:cs typeface="Courier New" panose="02070309020205020404" pitchFamily="49" charset="0"/>
             </a:endParaRPr>
           </a:p>
         </p:txBody>
@@ -8413,13 +8321,18 @@
               <a:buNone/>
             </a:pPr>
             <a:r>
-              <a:rPr lang="en-US" sz="2000" dirty="0"/>
+              <a:rPr lang="en-US" sz="2000" dirty="0">
+                <a:latin typeface="Courier New" panose="02070309020205020404" pitchFamily="49" charset="0"/>
+                <a:cs typeface="Courier New" panose="02070309020205020404" pitchFamily="49" charset="0"/>
+              </a:rPr>
               <a:t>pay attention to all details</a:t>
             </a:r>
             <a:endParaRPr lang="en-US" sz="2000" dirty="0">
               <a:solidFill>
                 <a:schemeClr val="lt1"/>
               </a:solidFill>
+              <a:latin typeface="Courier New" panose="02070309020205020404" pitchFamily="49" charset="0"/>
+              <a:cs typeface="Courier New" panose="02070309020205020404" pitchFamily="49" charset="0"/>
             </a:endParaRPr>
           </a:p>
         </p:txBody>
@@ -8475,17 +8388,25 @@
               <a:buNone/>
             </a:pPr>
             <a:r>
-              <a:rPr lang="pt-PT" sz="1900" dirty="0"/>
+              <a:rPr lang="pt-PT" sz="1900" dirty="0">
+                <a:latin typeface="Courier New" panose="02070309020205020404" pitchFamily="49" charset="0"/>
+                <a:cs typeface="Courier New" panose="02070309020205020404" pitchFamily="49" charset="0"/>
+              </a:rPr>
               <a:t>b</a:t>
             </a:r>
             <a:r>
-              <a:rPr lang="en" sz="1900" dirty="0"/>
+              <a:rPr lang="en" sz="1900" dirty="0">
+                <a:latin typeface="Courier New" panose="02070309020205020404" pitchFamily="49" charset="0"/>
+                <a:cs typeface="Courier New" panose="02070309020205020404" pitchFamily="49" charset="0"/>
+              </a:rPr>
               <a:t>efore start coding, plan the logic </a:t>
             </a:r>
             <a:endParaRPr sz="1900" dirty="0">
               <a:solidFill>
                 <a:schemeClr val="lt1"/>
               </a:solidFill>
+              <a:latin typeface="Courier New" panose="02070309020205020404" pitchFamily="49" charset="0"/>
+              <a:cs typeface="Courier New" panose="02070309020205020404" pitchFamily="49" charset="0"/>
             </a:endParaRPr>
           </a:p>
         </p:txBody>
